--- a/18 Указатель/18.указатель.pptx
+++ b/18 Указатель/18.указатель.pptx
@@ -207,7 +207,7 @@
           <a:p>
             <a:fld id="{036B47B5-EF1D-41BD-9CC3-7AD4E8DDF9BA}" type="datetimeFigureOut">
               <a:rPr lang="ru-RU" smtClean="0"/>
-              <a:t>22.05.2022</a:t>
+              <a:t>23.05.2022</a:t>
             </a:fld>
             <a:endParaRPr lang="ru-RU"/>
           </a:p>
@@ -661,7 +661,7 @@
           <a:noFill/>
           <a:extLst>
             <a:ext uri="{909E8E84-426E-40dd-AFC4-6F175D3DCCD1}">
-              <a14:hiddenFill xmlns:a14="http://schemas.microsoft.com/office/drawing/2010/main" xmlns="">
+              <a14:hiddenFill xmlns="" xmlns:a14="http://schemas.microsoft.com/office/drawing/2010/main">
                 <a:solidFill>
                   <a:srgbClr val="FFFFFF"/>
                 </a:solidFill>
@@ -720,7 +720,7 @@
             </a:ln>
             <a:extLst>
               <a:ext uri="{91240B29-F687-4f45-9708-019B960494DF}">
-                <a14:hiddenLine xmlns:a14="http://schemas.microsoft.com/office/drawing/2010/main" xmlns="" w="9525">
+                <a14:hiddenLine xmlns="" xmlns:a14="http://schemas.microsoft.com/office/drawing/2010/main" w="9525">
                   <a:solidFill>
                     <a:srgbClr val="000000"/>
                   </a:solidFill>
@@ -810,7 +810,7 @@
             </a:ln>
             <a:extLst>
               <a:ext uri="{91240B29-F687-4f45-9708-019B960494DF}">
-                <a14:hiddenLine xmlns:a14="http://schemas.microsoft.com/office/drawing/2010/main" xmlns="" w="9525">
+                <a14:hiddenLine xmlns="" xmlns:a14="http://schemas.microsoft.com/office/drawing/2010/main" w="9525">
                   <a:solidFill>
                     <a:srgbClr val="000000"/>
                   </a:solidFill>
@@ -900,7 +900,7 @@
             </a:ln>
             <a:extLst>
               <a:ext uri="{91240B29-F687-4f45-9708-019B960494DF}">
-                <a14:hiddenLine xmlns:a14="http://schemas.microsoft.com/office/drawing/2010/main" xmlns="" w="9525">
+                <a14:hiddenLine xmlns="" xmlns:a14="http://schemas.microsoft.com/office/drawing/2010/main" w="9525">
                   <a:solidFill>
                     <a:srgbClr val="000000"/>
                   </a:solidFill>
@@ -934,7 +934,7 @@
             </a:ln>
             <a:extLst>
               <a:ext uri="{91240B29-F687-4f45-9708-019B960494DF}">
-                <a14:hiddenLine xmlns:a14="http://schemas.microsoft.com/office/drawing/2010/main" xmlns="" w="9525">
+                <a14:hiddenLine xmlns="" xmlns:a14="http://schemas.microsoft.com/office/drawing/2010/main" w="9525">
                   <a:solidFill>
                     <a:srgbClr val="000000"/>
                   </a:solidFill>
@@ -1024,7 +1024,7 @@
             </a:ln>
             <a:extLst>
               <a:ext uri="{91240B29-F687-4f45-9708-019B960494DF}">
-                <a14:hiddenLine xmlns:a14="http://schemas.microsoft.com/office/drawing/2010/main" xmlns="" w="9525">
+                <a14:hiddenLine xmlns="" xmlns:a14="http://schemas.microsoft.com/office/drawing/2010/main" w="9525">
                   <a:solidFill>
                     <a:srgbClr val="000000"/>
                   </a:solidFill>
@@ -1086,7 +1086,7 @@
             </a:ln>
             <a:extLst>
               <a:ext uri="{91240B29-F687-4f45-9708-019B960494DF}">
-                <a14:hiddenLine xmlns:a14="http://schemas.microsoft.com/office/drawing/2010/main" xmlns="" w="9525">
+                <a14:hiddenLine xmlns="" xmlns:a14="http://schemas.microsoft.com/office/drawing/2010/main" w="9525">
                   <a:solidFill>
                     <a:srgbClr val="000000"/>
                   </a:solidFill>
@@ -1148,7 +1148,7 @@
             </a:ln>
             <a:extLst>
               <a:ext uri="{91240B29-F687-4f45-9708-019B960494DF}">
-                <a14:hiddenLine xmlns:a14="http://schemas.microsoft.com/office/drawing/2010/main" xmlns="" w="9525">
+                <a14:hiddenLine xmlns="" xmlns:a14="http://schemas.microsoft.com/office/drawing/2010/main" w="9525">
                   <a:solidFill>
                     <a:srgbClr val="000000"/>
                   </a:solidFill>
@@ -1238,7 +1238,7 @@
             </a:ln>
             <a:extLst>
               <a:ext uri="{91240B29-F687-4f45-9708-019B960494DF}">
-                <a14:hiddenLine xmlns:a14="http://schemas.microsoft.com/office/drawing/2010/main" xmlns="" w="9525">
+                <a14:hiddenLine xmlns="" xmlns:a14="http://schemas.microsoft.com/office/drawing/2010/main" w="9525">
                   <a:solidFill>
                     <a:srgbClr val="000000"/>
                   </a:solidFill>
@@ -1300,7 +1300,7 @@
             </a:ln>
             <a:extLst>
               <a:ext uri="{91240B29-F687-4f45-9708-019B960494DF}">
-                <a14:hiddenLine xmlns:a14="http://schemas.microsoft.com/office/drawing/2010/main" xmlns="" w="9525">
+                <a14:hiddenLine xmlns="" xmlns:a14="http://schemas.microsoft.com/office/drawing/2010/main" w="9525">
                   <a:solidFill>
                     <a:srgbClr val="000000"/>
                   </a:solidFill>
@@ -1362,7 +1362,7 @@
             </a:ln>
             <a:extLst>
               <a:ext uri="{91240B29-F687-4f45-9708-019B960494DF}">
-                <a14:hiddenLine xmlns:a14="http://schemas.microsoft.com/office/drawing/2010/main" xmlns="" w="9525">
+                <a14:hiddenLine xmlns="" xmlns:a14="http://schemas.microsoft.com/office/drawing/2010/main" w="9525">
                   <a:solidFill>
                     <a:srgbClr val="000000"/>
                   </a:solidFill>
@@ -1452,7 +1452,7 @@
             </a:ln>
             <a:extLst>
               <a:ext uri="{91240B29-F687-4f45-9708-019B960494DF}">
-                <a14:hiddenLine xmlns:a14="http://schemas.microsoft.com/office/drawing/2010/main" xmlns="" w="9525">
+                <a14:hiddenLine xmlns="" xmlns:a14="http://schemas.microsoft.com/office/drawing/2010/main" w="9525">
                   <a:solidFill>
                     <a:srgbClr val="000000"/>
                   </a:solidFill>
@@ -1542,7 +1542,7 @@
             </a:ln>
             <a:extLst>
               <a:ext uri="{91240B29-F687-4f45-9708-019B960494DF}">
-                <a14:hiddenLine xmlns:a14="http://schemas.microsoft.com/office/drawing/2010/main" xmlns="" w="9525">
+                <a14:hiddenLine xmlns="" xmlns:a14="http://schemas.microsoft.com/office/drawing/2010/main" w="9525">
                   <a:solidFill>
                     <a:srgbClr val="000000"/>
                   </a:solidFill>
@@ -1604,7 +1604,7 @@
             </a:ln>
             <a:extLst>
               <a:ext uri="{91240B29-F687-4f45-9708-019B960494DF}">
-                <a14:hiddenLine xmlns:a14="http://schemas.microsoft.com/office/drawing/2010/main" xmlns="" w="9525">
+                <a14:hiddenLine xmlns="" xmlns:a14="http://schemas.microsoft.com/office/drawing/2010/main" w="9525">
                   <a:solidFill>
                     <a:srgbClr val="000000"/>
                   </a:solidFill>
@@ -1714,7 +1714,7 @@
             </a:ln>
             <a:extLst>
               <a:ext uri="{91240B29-F687-4f45-9708-019B960494DF}">
-                <a14:hiddenLine xmlns:a14="http://schemas.microsoft.com/office/drawing/2010/main" xmlns="" w="9525">
+                <a14:hiddenLine xmlns="" xmlns:a14="http://schemas.microsoft.com/office/drawing/2010/main" w="9525">
                   <a:solidFill>
                     <a:srgbClr val="000000"/>
                   </a:solidFill>
@@ -1776,7 +1776,7 @@
             </a:ln>
             <a:extLst>
               <a:ext uri="{91240B29-F687-4f45-9708-019B960494DF}">
-                <a14:hiddenLine xmlns:a14="http://schemas.microsoft.com/office/drawing/2010/main" xmlns="" w="9525">
+                <a14:hiddenLine xmlns="" xmlns:a14="http://schemas.microsoft.com/office/drawing/2010/main" w="9525">
                   <a:solidFill>
                     <a:srgbClr val="000000"/>
                   </a:solidFill>
@@ -1866,7 +1866,7 @@
             </a:ln>
             <a:extLst>
               <a:ext uri="{91240B29-F687-4f45-9708-019B960494DF}">
-                <a14:hiddenLine xmlns:a14="http://schemas.microsoft.com/office/drawing/2010/main" xmlns="" w="9525">
+                <a14:hiddenLine xmlns="" xmlns:a14="http://schemas.microsoft.com/office/drawing/2010/main" w="9525">
                   <a:solidFill>
                     <a:srgbClr val="000000"/>
                   </a:solidFill>
@@ -1956,7 +1956,7 @@
             </a:ln>
             <a:extLst>
               <a:ext uri="{91240B29-F687-4f45-9708-019B960494DF}">
-                <a14:hiddenLine xmlns:a14="http://schemas.microsoft.com/office/drawing/2010/main" xmlns="" w="9525">
+                <a14:hiddenLine xmlns="" xmlns:a14="http://schemas.microsoft.com/office/drawing/2010/main" w="9525">
                   <a:solidFill>
                     <a:srgbClr val="000000"/>
                   </a:solidFill>
@@ -2018,7 +2018,7 @@
             </a:ln>
             <a:extLst>
               <a:ext uri="{91240B29-F687-4f45-9708-019B960494DF}">
-                <a14:hiddenLine xmlns:a14="http://schemas.microsoft.com/office/drawing/2010/main" xmlns="" w="9525">
+                <a14:hiddenLine xmlns="" xmlns:a14="http://schemas.microsoft.com/office/drawing/2010/main" w="9525">
                   <a:solidFill>
                     <a:srgbClr val="000000"/>
                   </a:solidFill>
@@ -2108,7 +2108,7 @@
             </a:ln>
             <a:extLst>
               <a:ext uri="{91240B29-F687-4f45-9708-019B960494DF}">
-                <a14:hiddenLine xmlns:a14="http://schemas.microsoft.com/office/drawing/2010/main" xmlns="" w="9525">
+                <a14:hiddenLine xmlns="" xmlns:a14="http://schemas.microsoft.com/office/drawing/2010/main" w="9525">
                   <a:solidFill>
                     <a:srgbClr val="000000"/>
                   </a:solidFill>
@@ -2198,7 +2198,7 @@
             </a:ln>
             <a:extLst>
               <a:ext uri="{91240B29-F687-4f45-9708-019B960494DF}">
-                <a14:hiddenLine xmlns:a14="http://schemas.microsoft.com/office/drawing/2010/main" xmlns="" w="9525">
+                <a14:hiddenLine xmlns="" xmlns:a14="http://schemas.microsoft.com/office/drawing/2010/main" w="9525">
                   <a:solidFill>
                     <a:srgbClr val="000000"/>
                   </a:solidFill>
@@ -2254,7 +2254,7 @@
             </a:ln>
             <a:extLst>
               <a:ext uri="{91240B29-F687-4f45-9708-019B960494DF}">
-                <a14:hiddenLine xmlns:a14="http://schemas.microsoft.com/office/drawing/2010/main" xmlns="" w="9525">
+                <a14:hiddenLine xmlns="" xmlns:a14="http://schemas.microsoft.com/office/drawing/2010/main" w="9525">
                   <a:solidFill>
                     <a:srgbClr val="000000"/>
                   </a:solidFill>
@@ -2344,7 +2344,7 @@
             </a:ln>
             <a:extLst>
               <a:ext uri="{91240B29-F687-4f45-9708-019B960494DF}">
-                <a14:hiddenLine xmlns:a14="http://schemas.microsoft.com/office/drawing/2010/main" xmlns="" w="9525">
+                <a14:hiddenLine xmlns="" xmlns:a14="http://schemas.microsoft.com/office/drawing/2010/main" w="9525">
                   <a:solidFill>
                     <a:srgbClr val="000000"/>
                   </a:solidFill>
@@ -2400,7 +2400,7 @@
             </a:ln>
             <a:extLst>
               <a:ext uri="{91240B29-F687-4f45-9708-019B960494DF}">
-                <a14:hiddenLine xmlns:a14="http://schemas.microsoft.com/office/drawing/2010/main" xmlns="" w="9525">
+                <a14:hiddenLine xmlns="" xmlns:a14="http://schemas.microsoft.com/office/drawing/2010/main" w="9525">
                   <a:solidFill>
                     <a:srgbClr val="000000"/>
                   </a:solidFill>
@@ -2490,7 +2490,7 @@
             </a:ln>
             <a:extLst>
               <a:ext uri="{91240B29-F687-4f45-9708-019B960494DF}">
-                <a14:hiddenLine xmlns:a14="http://schemas.microsoft.com/office/drawing/2010/main" xmlns="" w="9525">
+                <a14:hiddenLine xmlns="" xmlns:a14="http://schemas.microsoft.com/office/drawing/2010/main" w="9525">
                   <a:solidFill>
                     <a:srgbClr val="000000"/>
                   </a:solidFill>
@@ -2558,7 +2558,7 @@
             </a:ln>
             <a:extLst>
               <a:ext uri="{91240B29-F687-4f45-9708-019B960494DF}">
-                <a14:hiddenLine xmlns:a14="http://schemas.microsoft.com/office/drawing/2010/main" xmlns="" w="9525">
+                <a14:hiddenLine xmlns="" xmlns:a14="http://schemas.microsoft.com/office/drawing/2010/main" w="9525">
                   <a:solidFill>
                     <a:srgbClr val="000000"/>
                   </a:solidFill>
@@ -2648,7 +2648,7 @@
             </a:ln>
             <a:extLst>
               <a:ext uri="{91240B29-F687-4f45-9708-019B960494DF}">
-                <a14:hiddenLine xmlns:a14="http://schemas.microsoft.com/office/drawing/2010/main" xmlns="" w="9525">
+                <a14:hiddenLine xmlns="" xmlns:a14="http://schemas.microsoft.com/office/drawing/2010/main" w="9525">
                   <a:solidFill>
                     <a:srgbClr val="000000"/>
                   </a:solidFill>
@@ -2716,7 +2716,7 @@
             </a:ln>
             <a:extLst>
               <a:ext uri="{91240B29-F687-4f45-9708-019B960494DF}">
-                <a14:hiddenLine xmlns:a14="http://schemas.microsoft.com/office/drawing/2010/main" xmlns="" w="9525">
+                <a14:hiddenLine xmlns="" xmlns:a14="http://schemas.microsoft.com/office/drawing/2010/main" w="9525">
                   <a:solidFill>
                     <a:srgbClr val="000000"/>
                   </a:solidFill>
@@ -2806,7 +2806,7 @@
             </a:ln>
             <a:extLst>
               <a:ext uri="{91240B29-F687-4f45-9708-019B960494DF}">
-                <a14:hiddenLine xmlns:a14="http://schemas.microsoft.com/office/drawing/2010/main" xmlns="" w="9525">
+                <a14:hiddenLine xmlns="" xmlns:a14="http://schemas.microsoft.com/office/drawing/2010/main" w="9525">
                   <a:solidFill>
                     <a:srgbClr val="000000"/>
                   </a:solidFill>
@@ -2840,7 +2840,7 @@
             </a:ln>
             <a:extLst>
               <a:ext uri="{91240B29-F687-4f45-9708-019B960494DF}">
-                <a14:hiddenLine xmlns:a14="http://schemas.microsoft.com/office/drawing/2010/main" xmlns="" w="9525">
+                <a14:hiddenLine xmlns="" xmlns:a14="http://schemas.microsoft.com/office/drawing/2010/main" w="9525">
                   <a:solidFill>
                     <a:srgbClr val="000000"/>
                   </a:solidFill>
@@ -2930,7 +2930,7 @@
             </a:ln>
             <a:extLst>
               <a:ext uri="{91240B29-F687-4f45-9708-019B960494DF}">
-                <a14:hiddenLine xmlns:a14="http://schemas.microsoft.com/office/drawing/2010/main" xmlns="" w="9525">
+                <a14:hiddenLine xmlns="" xmlns:a14="http://schemas.microsoft.com/office/drawing/2010/main" w="9525">
                   <a:solidFill>
                     <a:srgbClr val="000000"/>
                   </a:solidFill>
@@ -2992,7 +2992,7 @@
             </a:ln>
             <a:extLst>
               <a:ext uri="{91240B29-F687-4f45-9708-019B960494DF}">
-                <a14:hiddenLine xmlns:a14="http://schemas.microsoft.com/office/drawing/2010/main" xmlns="" w="9525">
+                <a14:hiddenLine xmlns="" xmlns:a14="http://schemas.microsoft.com/office/drawing/2010/main" w="9525">
                   <a:solidFill>
                     <a:srgbClr val="000000"/>
                   </a:solidFill>
@@ -3054,7 +3054,7 @@
             </a:ln>
             <a:extLst>
               <a:ext uri="{91240B29-F687-4f45-9708-019B960494DF}">
-                <a14:hiddenLine xmlns:a14="http://schemas.microsoft.com/office/drawing/2010/main" xmlns="" w="9525">
+                <a14:hiddenLine xmlns="" xmlns:a14="http://schemas.microsoft.com/office/drawing/2010/main" w="9525">
                   <a:solidFill>
                     <a:srgbClr val="000000"/>
                   </a:solidFill>
@@ -3144,7 +3144,7 @@
             </a:ln>
             <a:extLst>
               <a:ext uri="{91240B29-F687-4f45-9708-019B960494DF}">
-                <a14:hiddenLine xmlns:a14="http://schemas.microsoft.com/office/drawing/2010/main" xmlns="" w="9525">
+                <a14:hiddenLine xmlns="" xmlns:a14="http://schemas.microsoft.com/office/drawing/2010/main" w="9525">
                   <a:solidFill>
                     <a:srgbClr val="000000"/>
                   </a:solidFill>
@@ -3212,7 +3212,7 @@
             </a:ln>
             <a:extLst>
               <a:ext uri="{91240B29-F687-4f45-9708-019B960494DF}">
-                <a14:hiddenLine xmlns:a14="http://schemas.microsoft.com/office/drawing/2010/main" xmlns="" w="9525">
+                <a14:hiddenLine xmlns="" xmlns:a14="http://schemas.microsoft.com/office/drawing/2010/main" w="9525">
                   <a:solidFill>
                     <a:srgbClr val="000000"/>
                   </a:solidFill>
@@ -3274,7 +3274,7 @@
             </a:ln>
             <a:extLst>
               <a:ext uri="{91240B29-F687-4f45-9708-019B960494DF}">
-                <a14:hiddenLine xmlns:a14="http://schemas.microsoft.com/office/drawing/2010/main" xmlns="" w="9525">
+                <a14:hiddenLine xmlns="" xmlns:a14="http://schemas.microsoft.com/office/drawing/2010/main" w="9525">
                   <a:solidFill>
                     <a:srgbClr val="000000"/>
                   </a:solidFill>
@@ -3364,7 +3364,7 @@
             </a:ln>
             <a:extLst>
               <a:ext uri="{91240B29-F687-4f45-9708-019B960494DF}">
-                <a14:hiddenLine xmlns:a14="http://schemas.microsoft.com/office/drawing/2010/main" xmlns="" w="9525">
+                <a14:hiddenLine xmlns="" xmlns:a14="http://schemas.microsoft.com/office/drawing/2010/main" w="9525">
                   <a:solidFill>
                     <a:srgbClr val="000000"/>
                   </a:solidFill>
@@ -3426,7 +3426,7 @@
             </a:ln>
             <a:extLst>
               <a:ext uri="{91240B29-F687-4f45-9708-019B960494DF}">
-                <a14:hiddenLine xmlns:a14="http://schemas.microsoft.com/office/drawing/2010/main" xmlns="" w="9525">
+                <a14:hiddenLine xmlns="" xmlns:a14="http://schemas.microsoft.com/office/drawing/2010/main" w="9525">
                   <a:solidFill>
                     <a:srgbClr val="000000"/>
                   </a:solidFill>
@@ -3516,7 +3516,7 @@
             </a:ln>
             <a:extLst>
               <a:ext uri="{91240B29-F687-4f45-9708-019B960494DF}">
-                <a14:hiddenLine xmlns:a14="http://schemas.microsoft.com/office/drawing/2010/main" xmlns="" w="9525">
+                <a14:hiddenLine xmlns="" xmlns:a14="http://schemas.microsoft.com/office/drawing/2010/main" w="9525">
                   <a:solidFill>
                     <a:srgbClr val="000000"/>
                   </a:solidFill>
@@ -3578,7 +3578,7 @@
             </a:ln>
             <a:extLst>
               <a:ext uri="{91240B29-F687-4f45-9708-019B960494DF}">
-                <a14:hiddenLine xmlns:a14="http://schemas.microsoft.com/office/drawing/2010/main" xmlns="" w="9525">
+                <a14:hiddenLine xmlns="" xmlns:a14="http://schemas.microsoft.com/office/drawing/2010/main" w="9525">
                   <a:solidFill>
                     <a:srgbClr val="000000"/>
                   </a:solidFill>
@@ -3668,7 +3668,7 @@
             </a:ln>
             <a:extLst>
               <a:ext uri="{91240B29-F687-4f45-9708-019B960494DF}">
-                <a14:hiddenLine xmlns:a14="http://schemas.microsoft.com/office/drawing/2010/main" xmlns="" w="9525">
+                <a14:hiddenLine xmlns="" xmlns:a14="http://schemas.microsoft.com/office/drawing/2010/main" w="9525">
                   <a:solidFill>
                     <a:srgbClr val="000000"/>
                   </a:solidFill>
@@ -3702,7 +3702,7 @@
             </a:ln>
             <a:extLst>
               <a:ext uri="{91240B29-F687-4f45-9708-019B960494DF}">
-                <a14:hiddenLine xmlns:a14="http://schemas.microsoft.com/office/drawing/2010/main" xmlns="" w="9525">
+                <a14:hiddenLine xmlns="" xmlns:a14="http://schemas.microsoft.com/office/drawing/2010/main" w="9525">
                   <a:solidFill>
                     <a:srgbClr val="000000"/>
                   </a:solidFill>
@@ -3767,7 +3767,7 @@
             </a:ln>
             <a:extLst>
               <a:ext uri="{91240B29-F687-4f45-9708-019B960494DF}">
-                <a14:hiddenLine xmlns:a14="http://schemas.microsoft.com/office/drawing/2010/main" xmlns="" w="9525">
+                <a14:hiddenLine xmlns="" xmlns:a14="http://schemas.microsoft.com/office/drawing/2010/main" w="9525">
                   <a:solidFill>
                     <a:srgbClr val="000000"/>
                   </a:solidFill>
@@ -3857,7 +3857,7 @@
             </a:ln>
             <a:extLst>
               <a:ext uri="{91240B29-F687-4f45-9708-019B960494DF}">
-                <a14:hiddenLine xmlns:a14="http://schemas.microsoft.com/office/drawing/2010/main" xmlns="" w="9525">
+                <a14:hiddenLine xmlns="" xmlns:a14="http://schemas.microsoft.com/office/drawing/2010/main" w="9525">
                   <a:solidFill>
                     <a:srgbClr val="000000"/>
                   </a:solidFill>
@@ -3919,7 +3919,7 @@
             </a:ln>
             <a:extLst>
               <a:ext uri="{91240B29-F687-4f45-9708-019B960494DF}">
-                <a14:hiddenLine xmlns:a14="http://schemas.microsoft.com/office/drawing/2010/main" xmlns="" w="9525">
+                <a14:hiddenLine xmlns="" xmlns:a14="http://schemas.microsoft.com/office/drawing/2010/main" w="9525">
                   <a:solidFill>
                     <a:srgbClr val="000000"/>
                   </a:solidFill>
@@ -4009,7 +4009,7 @@
             </a:ln>
             <a:extLst>
               <a:ext uri="{91240B29-F687-4f45-9708-019B960494DF}">
-                <a14:hiddenLine xmlns:a14="http://schemas.microsoft.com/office/drawing/2010/main" xmlns="" w="9525">
+                <a14:hiddenLine xmlns="" xmlns:a14="http://schemas.microsoft.com/office/drawing/2010/main" w="9525">
                   <a:solidFill>
                     <a:srgbClr val="000000"/>
                   </a:solidFill>
@@ -4099,7 +4099,7 @@
             </a:ln>
             <a:extLst>
               <a:ext uri="{91240B29-F687-4f45-9708-019B960494DF}">
-                <a14:hiddenLine xmlns:a14="http://schemas.microsoft.com/office/drawing/2010/main" xmlns="" w="9525">
+                <a14:hiddenLine xmlns="" xmlns:a14="http://schemas.microsoft.com/office/drawing/2010/main" w="9525">
                   <a:solidFill>
                     <a:srgbClr val="000000"/>
                   </a:solidFill>
@@ -4164,7 +4164,7 @@
             </a:ln>
             <a:extLst>
               <a:ext uri="{91240B29-F687-4f45-9708-019B960494DF}">
-                <a14:hiddenLine xmlns:a14="http://schemas.microsoft.com/office/drawing/2010/main" xmlns="" w="9525">
+                <a14:hiddenLine xmlns="" xmlns:a14="http://schemas.microsoft.com/office/drawing/2010/main" w="9525">
                   <a:solidFill>
                     <a:srgbClr val="000000"/>
                   </a:solidFill>
@@ -4226,7 +4226,7 @@
             </a:ln>
             <a:extLst>
               <a:ext uri="{91240B29-F687-4f45-9708-019B960494DF}">
-                <a14:hiddenLine xmlns:a14="http://schemas.microsoft.com/office/drawing/2010/main" xmlns="" w="9525">
+                <a14:hiddenLine xmlns="" xmlns:a14="http://schemas.microsoft.com/office/drawing/2010/main" w="9525">
                   <a:solidFill>
                     <a:srgbClr val="000000"/>
                   </a:solidFill>
@@ -4316,7 +4316,7 @@
             </a:ln>
             <a:extLst>
               <a:ext uri="{91240B29-F687-4f45-9708-019B960494DF}">
-                <a14:hiddenLine xmlns:a14="http://schemas.microsoft.com/office/drawing/2010/main" xmlns="" w="9525">
+                <a14:hiddenLine xmlns="" xmlns:a14="http://schemas.microsoft.com/office/drawing/2010/main" w="9525">
                   <a:solidFill>
                     <a:srgbClr val="000000"/>
                   </a:solidFill>
@@ -4406,7 +4406,7 @@
             </a:ln>
             <a:extLst>
               <a:ext uri="{91240B29-F687-4f45-9708-019B960494DF}">
-                <a14:hiddenLine xmlns:a14="http://schemas.microsoft.com/office/drawing/2010/main" xmlns="" w="9525">
+                <a14:hiddenLine xmlns="" xmlns:a14="http://schemas.microsoft.com/office/drawing/2010/main" w="9525">
                   <a:solidFill>
                     <a:srgbClr val="000000"/>
                   </a:solidFill>
@@ -4468,7 +4468,7 @@
             </a:ln>
             <a:extLst>
               <a:ext uri="{91240B29-F687-4f45-9708-019B960494DF}">
-                <a14:hiddenLine xmlns:a14="http://schemas.microsoft.com/office/drawing/2010/main" xmlns="" w="9525">
+                <a14:hiddenLine xmlns="" xmlns:a14="http://schemas.microsoft.com/office/drawing/2010/main" w="9525">
                   <a:solidFill>
                     <a:srgbClr val="000000"/>
                   </a:solidFill>
@@ -4588,7 +4588,7 @@
             </a:ln>
             <a:extLst>
               <a:ext uri="{91240B29-F687-4f45-9708-019B960494DF}">
-                <a14:hiddenLine xmlns:a14="http://schemas.microsoft.com/office/drawing/2010/main" xmlns="" w="9525">
+                <a14:hiddenLine xmlns="" xmlns:a14="http://schemas.microsoft.com/office/drawing/2010/main" w="9525">
                   <a:solidFill>
                     <a:srgbClr val="000000"/>
                   </a:solidFill>
@@ -4656,7 +4656,7 @@
             </a:ln>
             <a:extLst>
               <a:ext uri="{91240B29-F687-4f45-9708-019B960494DF}">
-                <a14:hiddenLine xmlns:a14="http://schemas.microsoft.com/office/drawing/2010/main" xmlns="" w="9525">
+                <a14:hiddenLine xmlns="" xmlns:a14="http://schemas.microsoft.com/office/drawing/2010/main" w="9525">
                   <a:solidFill>
                     <a:srgbClr val="000000"/>
                   </a:solidFill>
@@ -4746,7 +4746,7 @@
             </a:ln>
             <a:extLst>
               <a:ext uri="{91240B29-F687-4f45-9708-019B960494DF}">
-                <a14:hiddenLine xmlns:a14="http://schemas.microsoft.com/office/drawing/2010/main" xmlns="" w="9525">
+                <a14:hiddenLine xmlns="" xmlns:a14="http://schemas.microsoft.com/office/drawing/2010/main" w="9525">
                   <a:solidFill>
                     <a:srgbClr val="000000"/>
                   </a:solidFill>
@@ -4886,7 +4886,7 @@
           <a:p>
             <a:fld id="{348D1148-AA36-4684-835C-5806DCFCF7AA}" type="datetimeFigureOut">
               <a:rPr lang="ru-RU" smtClean="0"/>
-              <a:t>22.05.2022</a:t>
+              <a:t>23.05.2022</a:t>
             </a:fld>
             <a:endParaRPr lang="ru-RU"/>
           </a:p>
@@ -5153,7 +5153,7 @@
           <a:p>
             <a:fld id="{348D1148-AA36-4684-835C-5806DCFCF7AA}" type="datetimeFigureOut">
               <a:rPr lang="ru-RU" smtClean="0"/>
-              <a:t>22.05.2022</a:t>
+              <a:t>23.05.2022</a:t>
             </a:fld>
             <a:endParaRPr lang="ru-RU"/>
           </a:p>
@@ -5349,7 +5349,7 @@
           <a:p>
             <a:fld id="{348D1148-AA36-4684-835C-5806DCFCF7AA}" type="datetimeFigureOut">
               <a:rPr lang="ru-RU" smtClean="0"/>
-              <a:t>22.05.2022</a:t>
+              <a:t>23.05.2022</a:t>
             </a:fld>
             <a:endParaRPr lang="ru-RU"/>
           </a:p>
@@ -5612,7 +5612,7 @@
           <a:p>
             <a:fld id="{348D1148-AA36-4684-835C-5806DCFCF7AA}" type="datetimeFigureOut">
               <a:rPr lang="ru-RU" smtClean="0"/>
-              <a:t>22.05.2022</a:t>
+              <a:t>23.05.2022</a:t>
             </a:fld>
             <a:endParaRPr lang="ru-RU"/>
           </a:p>
@@ -6046,7 +6046,7 @@
           <a:p>
             <a:fld id="{348D1148-AA36-4684-835C-5806DCFCF7AA}" type="datetimeFigureOut">
               <a:rPr lang="ru-RU" smtClean="0"/>
-              <a:t>22.05.2022</a:t>
+              <a:t>23.05.2022</a:t>
             </a:fld>
             <a:endParaRPr lang="ru-RU"/>
           </a:p>
@@ -6592,7 +6592,7 @@
           <a:p>
             <a:fld id="{348D1148-AA36-4684-835C-5806DCFCF7AA}" type="datetimeFigureOut">
               <a:rPr lang="ru-RU" smtClean="0"/>
-              <a:t>22.05.2022</a:t>
+              <a:t>23.05.2022</a:t>
             </a:fld>
             <a:endParaRPr lang="ru-RU"/>
           </a:p>
@@ -7312,7 +7312,7 @@
           <a:p>
             <a:fld id="{348D1148-AA36-4684-835C-5806DCFCF7AA}" type="datetimeFigureOut">
               <a:rPr lang="ru-RU" smtClean="0"/>
-              <a:t>22.05.2022</a:t>
+              <a:t>23.05.2022</a:t>
             </a:fld>
             <a:endParaRPr lang="ru-RU"/>
           </a:p>
@@ -7482,7 +7482,7 @@
           <a:p>
             <a:fld id="{348D1148-AA36-4684-835C-5806DCFCF7AA}" type="datetimeFigureOut">
               <a:rPr lang="ru-RU" smtClean="0"/>
-              <a:t>22.05.2022</a:t>
+              <a:t>23.05.2022</a:t>
             </a:fld>
             <a:endParaRPr lang="ru-RU"/>
           </a:p>
@@ -7662,7 +7662,7 @@
           <a:p>
             <a:fld id="{348D1148-AA36-4684-835C-5806DCFCF7AA}" type="datetimeFigureOut">
               <a:rPr lang="ru-RU" smtClean="0"/>
-              <a:t>22.05.2022</a:t>
+              <a:t>23.05.2022</a:t>
             </a:fld>
             <a:endParaRPr lang="ru-RU"/>
           </a:p>
@@ -7832,7 +7832,7 @@
           <a:p>
             <a:fld id="{348D1148-AA36-4684-835C-5806DCFCF7AA}" type="datetimeFigureOut">
               <a:rPr lang="ru-RU" smtClean="0"/>
-              <a:t>22.05.2022</a:t>
+              <a:t>23.05.2022</a:t>
             </a:fld>
             <a:endParaRPr lang="ru-RU"/>
           </a:p>
@@ -8082,7 +8082,7 @@
           <a:p>
             <a:fld id="{348D1148-AA36-4684-835C-5806DCFCF7AA}" type="datetimeFigureOut">
               <a:rPr lang="ru-RU" smtClean="0"/>
-              <a:t>22.05.2022</a:t>
+              <a:t>23.05.2022</a:t>
             </a:fld>
             <a:endParaRPr lang="ru-RU"/>
           </a:p>
@@ -8314,7 +8314,7 @@
           <a:p>
             <a:fld id="{348D1148-AA36-4684-835C-5806DCFCF7AA}" type="datetimeFigureOut">
               <a:rPr lang="ru-RU" smtClean="0"/>
-              <a:t>22.05.2022</a:t>
+              <a:t>23.05.2022</a:t>
             </a:fld>
             <a:endParaRPr lang="ru-RU"/>
           </a:p>
@@ -8695,7 +8695,7 @@
           <a:p>
             <a:fld id="{348D1148-AA36-4684-835C-5806DCFCF7AA}" type="datetimeFigureOut">
               <a:rPr lang="ru-RU" smtClean="0"/>
-              <a:t>22.05.2022</a:t>
+              <a:t>23.05.2022</a:t>
             </a:fld>
             <a:endParaRPr lang="ru-RU"/>
           </a:p>
@@ -8813,7 +8813,7 @@
           <a:p>
             <a:fld id="{348D1148-AA36-4684-835C-5806DCFCF7AA}" type="datetimeFigureOut">
               <a:rPr lang="ru-RU" smtClean="0"/>
-              <a:t>22.05.2022</a:t>
+              <a:t>23.05.2022</a:t>
             </a:fld>
             <a:endParaRPr lang="ru-RU"/>
           </a:p>
@@ -8908,7 +8908,7 @@
           <a:p>
             <a:fld id="{348D1148-AA36-4684-835C-5806DCFCF7AA}" type="datetimeFigureOut">
               <a:rPr lang="ru-RU" smtClean="0"/>
-              <a:t>22.05.2022</a:t>
+              <a:t>23.05.2022</a:t>
             </a:fld>
             <a:endParaRPr lang="ru-RU"/>
           </a:p>
@@ -9157,7 +9157,7 @@
           <a:p>
             <a:fld id="{348D1148-AA36-4684-835C-5806DCFCF7AA}" type="datetimeFigureOut">
               <a:rPr lang="ru-RU" smtClean="0"/>
-              <a:t>22.05.2022</a:t>
+              <a:t>23.05.2022</a:t>
             </a:fld>
             <a:endParaRPr lang="ru-RU"/>
           </a:p>
@@ -9437,7 +9437,7 @@
           <a:p>
             <a:fld id="{348D1148-AA36-4684-835C-5806DCFCF7AA}" type="datetimeFigureOut">
               <a:rPr lang="ru-RU" smtClean="0"/>
-              <a:t>22.05.2022</a:t>
+              <a:t>23.05.2022</a:t>
             </a:fld>
             <a:endParaRPr lang="ru-RU"/>
           </a:p>
@@ -9560,7 +9560,7 @@
           <a:noFill/>
           <a:extLst>
             <a:ext uri="{909E8E84-426E-40dd-AFC4-6F175D3DCCD1}">
-              <a14:hiddenFill xmlns:a14="http://schemas.microsoft.com/office/drawing/2010/main" xmlns="">
+              <a14:hiddenFill xmlns="" xmlns:a14="http://schemas.microsoft.com/office/drawing/2010/main">
                 <a:solidFill>
                   <a:srgbClr val="FFFFFF"/>
                 </a:solidFill>
@@ -9634,7 +9634,7 @@
               </a:ln>
               <a:extLst>
                 <a:ext uri="{91240B29-F687-4f45-9708-019B960494DF}">
-                  <a14:hiddenLine xmlns:a14="http://schemas.microsoft.com/office/drawing/2010/main" xmlns="" w="9525">
+                  <a14:hiddenLine xmlns="" xmlns:a14="http://schemas.microsoft.com/office/drawing/2010/main" w="9525">
                     <a:solidFill>
                       <a:srgbClr val="000000"/>
                     </a:solidFill>
@@ -9724,7 +9724,7 @@
               </a:ln>
               <a:extLst>
                 <a:ext uri="{91240B29-F687-4f45-9708-019B960494DF}">
-                  <a14:hiddenLine xmlns:a14="http://schemas.microsoft.com/office/drawing/2010/main" xmlns="" w="9525">
+                  <a14:hiddenLine xmlns="" xmlns:a14="http://schemas.microsoft.com/office/drawing/2010/main" w="9525">
                     <a:solidFill>
                       <a:srgbClr val="000000"/>
                     </a:solidFill>
@@ -9814,7 +9814,7 @@
               </a:ln>
               <a:extLst>
                 <a:ext uri="{91240B29-F687-4f45-9708-019B960494DF}">
-                  <a14:hiddenLine xmlns:a14="http://schemas.microsoft.com/office/drawing/2010/main" xmlns="" w="9525">
+                  <a14:hiddenLine xmlns="" xmlns:a14="http://schemas.microsoft.com/office/drawing/2010/main" w="9525">
                     <a:solidFill>
                       <a:srgbClr val="000000"/>
                     </a:solidFill>
@@ -9876,7 +9876,7 @@
               </a:ln>
               <a:extLst>
                 <a:ext uri="{91240B29-F687-4f45-9708-019B960494DF}">
-                  <a14:hiddenLine xmlns:a14="http://schemas.microsoft.com/office/drawing/2010/main" xmlns="" w="9525">
+                  <a14:hiddenLine xmlns="" xmlns:a14="http://schemas.microsoft.com/office/drawing/2010/main" w="9525">
                     <a:solidFill>
                       <a:srgbClr val="000000"/>
                     </a:solidFill>
@@ -9966,7 +9966,7 @@
               </a:ln>
               <a:extLst>
                 <a:ext uri="{91240B29-F687-4f45-9708-019B960494DF}">
-                  <a14:hiddenLine xmlns:a14="http://schemas.microsoft.com/office/drawing/2010/main" xmlns="" w="9525">
+                  <a14:hiddenLine xmlns="" xmlns:a14="http://schemas.microsoft.com/office/drawing/2010/main" w="9525">
                     <a:solidFill>
                       <a:srgbClr val="000000"/>
                     </a:solidFill>
@@ -10028,7 +10028,7 @@
               </a:ln>
               <a:extLst>
                 <a:ext uri="{91240B29-F687-4f45-9708-019B960494DF}">
-                  <a14:hiddenLine xmlns:a14="http://schemas.microsoft.com/office/drawing/2010/main" xmlns="" w="9525">
+                  <a14:hiddenLine xmlns="" xmlns:a14="http://schemas.microsoft.com/office/drawing/2010/main" w="9525">
                     <a:solidFill>
                       <a:srgbClr val="000000"/>
                     </a:solidFill>
@@ -10090,7 +10090,7 @@
               </a:ln>
               <a:extLst>
                 <a:ext uri="{91240B29-F687-4f45-9708-019B960494DF}">
-                  <a14:hiddenLine xmlns:a14="http://schemas.microsoft.com/office/drawing/2010/main" xmlns="" w="9525">
+                  <a14:hiddenLine xmlns="" xmlns:a14="http://schemas.microsoft.com/office/drawing/2010/main" w="9525">
                     <a:solidFill>
                       <a:srgbClr val="000000"/>
                     </a:solidFill>
@@ -10180,7 +10180,7 @@
               </a:ln>
               <a:extLst>
                 <a:ext uri="{91240B29-F687-4f45-9708-019B960494DF}">
-                  <a14:hiddenLine xmlns:a14="http://schemas.microsoft.com/office/drawing/2010/main" xmlns="" w="9525">
+                  <a14:hiddenLine xmlns="" xmlns:a14="http://schemas.microsoft.com/office/drawing/2010/main" w="9525">
                     <a:solidFill>
                       <a:srgbClr val="000000"/>
                     </a:solidFill>
@@ -10270,7 +10270,7 @@
               </a:ln>
               <a:extLst>
                 <a:ext uri="{91240B29-F687-4f45-9708-019B960494DF}">
-                  <a14:hiddenLine xmlns:a14="http://schemas.microsoft.com/office/drawing/2010/main" xmlns="" w="9525">
+                  <a14:hiddenLine xmlns="" xmlns:a14="http://schemas.microsoft.com/office/drawing/2010/main" w="9525">
                     <a:solidFill>
                       <a:srgbClr val="000000"/>
                     </a:solidFill>
@@ -10332,7 +10332,7 @@
               </a:ln>
               <a:extLst>
                 <a:ext uri="{91240B29-F687-4f45-9708-019B960494DF}">
-                  <a14:hiddenLine xmlns:a14="http://schemas.microsoft.com/office/drawing/2010/main" xmlns="" w="9525">
+                  <a14:hiddenLine xmlns="" xmlns:a14="http://schemas.microsoft.com/office/drawing/2010/main" w="9525">
                     <a:solidFill>
                       <a:srgbClr val="000000"/>
                     </a:solidFill>
@@ -10442,7 +10442,7 @@
               </a:ln>
               <a:extLst>
                 <a:ext uri="{91240B29-F687-4f45-9708-019B960494DF}">
-                  <a14:hiddenLine xmlns:a14="http://schemas.microsoft.com/office/drawing/2010/main" xmlns="" w="9525">
+                  <a14:hiddenLine xmlns="" xmlns:a14="http://schemas.microsoft.com/office/drawing/2010/main" w="9525">
                     <a:solidFill>
                       <a:srgbClr val="000000"/>
                     </a:solidFill>
@@ -10526,7 +10526,7 @@
               </a:ln>
               <a:extLst>
                 <a:ext uri="{91240B29-F687-4f45-9708-019B960494DF}">
-                  <a14:hiddenLine xmlns:a14="http://schemas.microsoft.com/office/drawing/2010/main" xmlns="" w="9525">
+                  <a14:hiddenLine xmlns="" xmlns:a14="http://schemas.microsoft.com/office/drawing/2010/main" w="9525">
                     <a:solidFill>
                       <a:srgbClr val="000000"/>
                     </a:solidFill>
@@ -10588,7 +10588,7 @@
               </a:ln>
               <a:extLst>
                 <a:ext uri="{91240B29-F687-4f45-9708-019B960494DF}">
-                  <a14:hiddenLine xmlns:a14="http://schemas.microsoft.com/office/drawing/2010/main" xmlns="" w="9525">
+                  <a14:hiddenLine xmlns="" xmlns:a14="http://schemas.microsoft.com/office/drawing/2010/main" w="9525">
                     <a:solidFill>
                       <a:srgbClr val="000000"/>
                     </a:solidFill>
@@ -10650,7 +10650,7 @@
               </a:ln>
               <a:extLst>
                 <a:ext uri="{91240B29-F687-4f45-9708-019B960494DF}">
-                  <a14:hiddenLine xmlns:a14="http://schemas.microsoft.com/office/drawing/2010/main" xmlns="" w="9525">
+                  <a14:hiddenLine xmlns="" xmlns:a14="http://schemas.microsoft.com/office/drawing/2010/main" w="9525">
                     <a:solidFill>
                       <a:srgbClr val="000000"/>
                     </a:solidFill>
@@ -10740,7 +10740,7 @@
               </a:ln>
               <a:extLst>
                 <a:ext uri="{91240B29-F687-4f45-9708-019B960494DF}">
-                  <a14:hiddenLine xmlns:a14="http://schemas.microsoft.com/office/drawing/2010/main" xmlns="" w="9525">
+                  <a14:hiddenLine xmlns="" xmlns:a14="http://schemas.microsoft.com/office/drawing/2010/main" w="9525">
                     <a:solidFill>
                       <a:srgbClr val="000000"/>
                     </a:solidFill>
@@ -10774,7 +10774,7 @@
               </a:ln>
               <a:extLst>
                 <a:ext uri="{91240B29-F687-4f45-9708-019B960494DF}">
-                  <a14:hiddenLine xmlns:a14="http://schemas.microsoft.com/office/drawing/2010/main" xmlns="" w="9525">
+                  <a14:hiddenLine xmlns="" xmlns:a14="http://schemas.microsoft.com/office/drawing/2010/main" w="9525">
                     <a:solidFill>
                       <a:srgbClr val="000000"/>
                     </a:solidFill>
@@ -10839,7 +10839,7 @@
               </a:ln>
               <a:extLst>
                 <a:ext uri="{91240B29-F687-4f45-9708-019B960494DF}">
-                  <a14:hiddenLine xmlns:a14="http://schemas.microsoft.com/office/drawing/2010/main" xmlns="" w="9525">
+                  <a14:hiddenLine xmlns="" xmlns:a14="http://schemas.microsoft.com/office/drawing/2010/main" w="9525">
                     <a:solidFill>
                       <a:srgbClr val="000000"/>
                     </a:solidFill>
@@ -10929,7 +10929,7 @@
               </a:ln>
               <a:extLst>
                 <a:ext uri="{91240B29-F687-4f45-9708-019B960494DF}">
-                  <a14:hiddenLine xmlns:a14="http://schemas.microsoft.com/office/drawing/2010/main" xmlns="" w="9525">
+                  <a14:hiddenLine xmlns="" xmlns:a14="http://schemas.microsoft.com/office/drawing/2010/main" w="9525">
                     <a:solidFill>
                       <a:srgbClr val="000000"/>
                     </a:solidFill>
@@ -10991,7 +10991,7 @@
               </a:ln>
               <a:extLst>
                 <a:ext uri="{91240B29-F687-4f45-9708-019B960494DF}">
-                  <a14:hiddenLine xmlns:a14="http://schemas.microsoft.com/office/drawing/2010/main" xmlns="" w="9525">
+                  <a14:hiddenLine xmlns="" xmlns:a14="http://schemas.microsoft.com/office/drawing/2010/main" w="9525">
                     <a:solidFill>
                       <a:srgbClr val="000000"/>
                     </a:solidFill>
@@ -11081,7 +11081,7 @@
               </a:ln>
               <a:extLst>
                 <a:ext uri="{91240B29-F687-4f45-9708-019B960494DF}">
-                  <a14:hiddenLine xmlns:a14="http://schemas.microsoft.com/office/drawing/2010/main" xmlns="" w="9525">
+                  <a14:hiddenLine xmlns="" xmlns:a14="http://schemas.microsoft.com/office/drawing/2010/main" w="9525">
                     <a:solidFill>
                       <a:srgbClr val="000000"/>
                     </a:solidFill>
@@ -11146,7 +11146,7 @@
               </a:ln>
               <a:extLst>
                 <a:ext uri="{91240B29-F687-4f45-9708-019B960494DF}">
-                  <a14:hiddenLine xmlns:a14="http://schemas.microsoft.com/office/drawing/2010/main" xmlns="" w="9525">
+                  <a14:hiddenLine xmlns="" xmlns:a14="http://schemas.microsoft.com/office/drawing/2010/main" w="9525">
                     <a:solidFill>
                       <a:srgbClr val="000000"/>
                     </a:solidFill>
@@ -11208,7 +11208,7 @@
               </a:ln>
               <a:extLst>
                 <a:ext uri="{91240B29-F687-4f45-9708-019B960494DF}">
-                  <a14:hiddenLine xmlns:a14="http://schemas.microsoft.com/office/drawing/2010/main" xmlns="" w="9525">
+                  <a14:hiddenLine xmlns="" xmlns:a14="http://schemas.microsoft.com/office/drawing/2010/main" w="9525">
                     <a:solidFill>
                       <a:srgbClr val="000000"/>
                     </a:solidFill>
@@ -11298,7 +11298,7 @@
               </a:ln>
               <a:extLst>
                 <a:ext uri="{91240B29-F687-4f45-9708-019B960494DF}">
-                  <a14:hiddenLine xmlns:a14="http://schemas.microsoft.com/office/drawing/2010/main" xmlns="" w="9525">
+                  <a14:hiddenLine xmlns="" xmlns:a14="http://schemas.microsoft.com/office/drawing/2010/main" w="9525">
                     <a:solidFill>
                       <a:srgbClr val="000000"/>
                     </a:solidFill>
@@ -11388,7 +11388,7 @@
               </a:ln>
               <a:extLst>
                 <a:ext uri="{91240B29-F687-4f45-9708-019B960494DF}">
-                  <a14:hiddenLine xmlns:a14="http://schemas.microsoft.com/office/drawing/2010/main" xmlns="" w="9525">
+                  <a14:hiddenLine xmlns="" xmlns:a14="http://schemas.microsoft.com/office/drawing/2010/main" w="9525">
                     <a:solidFill>
                       <a:srgbClr val="000000"/>
                     </a:solidFill>
@@ -11453,7 +11453,7 @@
               </a:ln>
               <a:extLst>
                 <a:ext uri="{91240B29-F687-4f45-9708-019B960494DF}">
-                  <a14:hiddenLine xmlns:a14="http://schemas.microsoft.com/office/drawing/2010/main" xmlns="" w="9525">
+                  <a14:hiddenLine xmlns="" xmlns:a14="http://schemas.microsoft.com/office/drawing/2010/main" w="9525">
                     <a:solidFill>
                       <a:srgbClr val="000000"/>
                     </a:solidFill>
@@ -11573,7 +11573,7 @@
               </a:ln>
               <a:extLst>
                 <a:ext uri="{91240B29-F687-4f45-9708-019B960494DF}">
-                  <a14:hiddenLine xmlns:a14="http://schemas.microsoft.com/office/drawing/2010/main" xmlns="" w="9525">
+                  <a14:hiddenLine xmlns="" xmlns:a14="http://schemas.microsoft.com/office/drawing/2010/main" w="9525">
                     <a:solidFill>
                       <a:srgbClr val="000000"/>
                     </a:solidFill>
@@ -11654,7 +11654,7 @@
               </a:ln>
               <a:extLst>
                 <a:ext uri="{91240B29-F687-4f45-9708-019B960494DF}">
-                  <a14:hiddenLine xmlns:a14="http://schemas.microsoft.com/office/drawing/2010/main" xmlns="" w="9525">
+                  <a14:hiddenLine xmlns="" xmlns:a14="http://schemas.microsoft.com/office/drawing/2010/main" w="9525">
                     <a:solidFill>
                       <a:srgbClr val="000000"/>
                     </a:solidFill>
@@ -11769,7 +11769,7 @@
               </a:ln>
               <a:extLst>
                 <a:ext uri="{91240B29-F687-4f45-9708-019B960494DF}">
-                  <a14:hiddenLine xmlns:a14="http://schemas.microsoft.com/office/drawing/2010/main" xmlns="" w="9525">
+                  <a14:hiddenLine xmlns="" xmlns:a14="http://schemas.microsoft.com/office/drawing/2010/main" w="9525">
                     <a:solidFill>
                       <a:srgbClr val="000000"/>
                     </a:solidFill>
@@ -11859,7 +11859,7 @@
               </a:ln>
               <a:extLst>
                 <a:ext uri="{91240B29-F687-4f45-9708-019B960494DF}">
-                  <a14:hiddenLine xmlns:a14="http://schemas.microsoft.com/office/drawing/2010/main" xmlns="" w="9525">
+                  <a14:hiddenLine xmlns="" xmlns:a14="http://schemas.microsoft.com/office/drawing/2010/main" w="9525">
                     <a:solidFill>
                       <a:srgbClr val="000000"/>
                     </a:solidFill>
@@ -11924,7 +11924,7 @@
               </a:ln>
               <a:extLst>
                 <a:ext uri="{91240B29-F687-4f45-9708-019B960494DF}">
-                  <a14:hiddenLine xmlns:a14="http://schemas.microsoft.com/office/drawing/2010/main" xmlns="" w="9525">
+                  <a14:hiddenLine xmlns="" xmlns:a14="http://schemas.microsoft.com/office/drawing/2010/main" w="9525">
                     <a:solidFill>
                       <a:srgbClr val="000000"/>
                     </a:solidFill>
@@ -12014,7 +12014,7 @@
               </a:ln>
               <a:extLst>
                 <a:ext uri="{91240B29-F687-4f45-9708-019B960494DF}">
-                  <a14:hiddenLine xmlns:a14="http://schemas.microsoft.com/office/drawing/2010/main" xmlns="" w="9525">
+                  <a14:hiddenLine xmlns="" xmlns:a14="http://schemas.microsoft.com/office/drawing/2010/main" w="9525">
                     <a:solidFill>
                       <a:srgbClr val="000000"/>
                     </a:solidFill>
@@ -12082,7 +12082,7 @@
               </a:ln>
               <a:extLst>
                 <a:ext uri="{91240B29-F687-4f45-9708-019B960494DF}">
-                  <a14:hiddenLine xmlns:a14="http://schemas.microsoft.com/office/drawing/2010/main" xmlns="" w="9525">
+                  <a14:hiddenLine xmlns="" xmlns:a14="http://schemas.microsoft.com/office/drawing/2010/main" w="9525">
                     <a:solidFill>
                       <a:srgbClr val="000000"/>
                     </a:solidFill>
@@ -12172,7 +12172,7 @@
               </a:ln>
               <a:extLst>
                 <a:ext uri="{91240B29-F687-4f45-9708-019B960494DF}">
-                  <a14:hiddenLine xmlns:a14="http://schemas.microsoft.com/office/drawing/2010/main" xmlns="" w="9525">
+                  <a14:hiddenLine xmlns="" xmlns:a14="http://schemas.microsoft.com/office/drawing/2010/main" w="9525">
                     <a:solidFill>
                       <a:srgbClr val="000000"/>
                     </a:solidFill>
@@ -12240,7 +12240,7 @@
               </a:ln>
               <a:extLst>
                 <a:ext uri="{91240B29-F687-4f45-9708-019B960494DF}">
-                  <a14:hiddenLine xmlns:a14="http://schemas.microsoft.com/office/drawing/2010/main" xmlns="" w="9525">
+                  <a14:hiddenLine xmlns="" xmlns:a14="http://schemas.microsoft.com/office/drawing/2010/main" w="9525">
                     <a:solidFill>
                       <a:srgbClr val="000000"/>
                     </a:solidFill>
@@ -12330,7 +12330,7 @@
               </a:ln>
               <a:extLst>
                 <a:ext uri="{91240B29-F687-4f45-9708-019B960494DF}">
-                  <a14:hiddenLine xmlns:a14="http://schemas.microsoft.com/office/drawing/2010/main" xmlns="" w="9525">
+                  <a14:hiddenLine xmlns="" xmlns:a14="http://schemas.microsoft.com/office/drawing/2010/main" w="9525">
                     <a:solidFill>
                       <a:srgbClr val="000000"/>
                     </a:solidFill>
@@ -12364,7 +12364,7 @@
               </a:ln>
               <a:extLst>
                 <a:ext uri="{91240B29-F687-4f45-9708-019B960494DF}">
-                  <a14:hiddenLine xmlns:a14="http://schemas.microsoft.com/office/drawing/2010/main" xmlns="" w="9525">
+                  <a14:hiddenLine xmlns="" xmlns:a14="http://schemas.microsoft.com/office/drawing/2010/main" w="9525">
                     <a:solidFill>
                       <a:srgbClr val="000000"/>
                     </a:solidFill>
@@ -12504,7 +12504,7 @@
           <a:p>
             <a:fld id="{348D1148-AA36-4684-835C-5806DCFCF7AA}" type="datetimeFigureOut">
               <a:rPr lang="ru-RU" smtClean="0"/>
-              <a:t>22.05.2022</a:t>
+              <a:t>23.05.2022</a:t>
             </a:fld>
             <a:endParaRPr lang="ru-RU"/>
           </a:p>
@@ -13963,6 +13963,12 @@
               </a:rPr>
               <a:t>.</a:t>
             </a:r>
+            <a:endParaRPr lang="en-US" sz="2000" b="0" strike="noStrike" spc="-1" dirty="0">
+              <a:solidFill>
+                <a:srgbClr val="FFFFFF"/>
+              </a:solidFill>
+              <a:latin typeface="+mj-lt"/>
+            </a:endParaRPr>
           </a:p>
           <a:p>
             <a:pPr marL="108000" indent="0">
@@ -13979,113 +13985,56 @@
               <a:buNone/>
             </a:pPr>
             <a:r>
+              <a:rPr lang="ru-RU" sz="2000" b="0" strike="noStrike" spc="-1" dirty="0">
+                <a:solidFill>
+                  <a:srgbClr val="FFFFFF"/>
+                </a:solidFill>
+                <a:latin typeface="+mj-lt"/>
+              </a:rPr>
+              <a:t>Адрес всегда указывается как </a:t>
+            </a:r>
+            <a:r>
+              <a:rPr lang="ru-RU" sz="2000" b="0" strike="noStrike" spc="-1" dirty="0">
+                <a:solidFill>
+                  <a:schemeClr val="accent2"/>
+                </a:solidFill>
+                <a:latin typeface="+mj-lt"/>
+              </a:rPr>
+              <a:t>целое число </a:t>
+            </a:r>
+            <a:r>
               <a:rPr lang="ru-RU" sz="2000" spc="-1" dirty="0">
                 <a:solidFill>
                   <a:srgbClr val="FFFFFF"/>
                 </a:solidFill>
                 <a:latin typeface="+mj-lt"/>
               </a:rPr>
-              <a:t>Адрес, в зависимости от архитектуры может быть</a:t>
-            </a:r>
-            <a:r>
-              <a:rPr lang="en-US" sz="2000" spc="-1" dirty="0">
+              <a:t>(зачастую в </a:t>
+            </a:r>
+            <a:r>
+              <a:rPr lang="ru-RU" sz="2000" spc="-1" dirty="0">
+                <a:solidFill>
+                  <a:schemeClr val="accent3"/>
+                </a:solidFill>
+                <a:latin typeface="+mj-lt"/>
+              </a:rPr>
+              <a:t>шестнадцатеричном</a:t>
+            </a:r>
+            <a:r>
+              <a:rPr lang="ru-RU" sz="2000" spc="-1" dirty="0">
                 <a:solidFill>
                   <a:srgbClr val="FFFFFF"/>
                 </a:solidFill>
                 <a:latin typeface="+mj-lt"/>
               </a:rPr>
-              <a:t> </a:t>
-            </a:r>
-            <a:r>
-              <a:rPr lang="en-US" sz="2000" spc="-1" dirty="0">
-                <a:solidFill>
-                  <a:schemeClr val="accent5"/>
-                </a:solidFill>
-                <a:latin typeface="+mj-lt"/>
-              </a:rPr>
-              <a:t>8</a:t>
-            </a:r>
-            <a:r>
-              <a:rPr lang="en-US" sz="2000" spc="-1" dirty="0">
-                <a:solidFill>
-                  <a:srgbClr val="FFFFFF"/>
-                </a:solidFill>
-                <a:latin typeface="+mj-lt"/>
-              </a:rPr>
-              <a:t>,</a:t>
-            </a:r>
-            <a:r>
-              <a:rPr lang="ru-RU" sz="2000" spc="-1" dirty="0">
-                <a:solidFill>
-                  <a:srgbClr val="FFFFFF"/>
-                </a:solidFill>
-                <a:latin typeface="+mj-lt"/>
-              </a:rPr>
-              <a:t> </a:t>
-            </a:r>
-            <a:r>
-              <a:rPr lang="ru-RU" sz="2000" spc="-1" dirty="0">
-                <a:solidFill>
-                  <a:schemeClr val="accent5"/>
-                </a:solidFill>
-                <a:latin typeface="+mj-lt"/>
-              </a:rPr>
-              <a:t>16</a:t>
-            </a:r>
-            <a:r>
-              <a:rPr lang="en-US" sz="2000" spc="-1" dirty="0">
-                <a:solidFill>
-                  <a:srgbClr val="FFFFFF"/>
-                </a:solidFill>
-                <a:latin typeface="+mj-lt"/>
-              </a:rPr>
-              <a:t>, </a:t>
-            </a:r>
-            <a:r>
-              <a:rPr lang="ru-RU" sz="2000" spc="-1" dirty="0">
-                <a:solidFill>
-                  <a:srgbClr val="FFFFFF"/>
-                </a:solidFill>
-                <a:latin typeface="+mj-lt"/>
-              </a:rPr>
-              <a:t> </a:t>
-            </a:r>
-            <a:r>
-              <a:rPr lang="ru-RU" sz="2000" spc="-1" dirty="0">
-                <a:solidFill>
-                  <a:schemeClr val="accent5"/>
-                </a:solidFill>
-                <a:latin typeface="+mj-lt"/>
-              </a:rPr>
-              <a:t>32</a:t>
-            </a:r>
-            <a:r>
-              <a:rPr lang="ru-RU" sz="2000" spc="-1" dirty="0">
-                <a:solidFill>
-                  <a:srgbClr val="FFFFFF"/>
-                </a:solidFill>
-                <a:latin typeface="+mj-lt"/>
-              </a:rPr>
-              <a:t> или </a:t>
-            </a:r>
-            <a:r>
-              <a:rPr lang="ru-RU" sz="2000" spc="-1" dirty="0">
-                <a:solidFill>
-                  <a:schemeClr val="accent5"/>
-                </a:solidFill>
-                <a:latin typeface="+mj-lt"/>
-              </a:rPr>
-              <a:t>64</a:t>
-            </a:r>
-            <a:r>
-              <a:rPr lang="ru-RU" sz="2000" spc="-1" dirty="0">
-                <a:solidFill>
-                  <a:srgbClr val="FFFFFF"/>
-                </a:solidFill>
-                <a:latin typeface="+mj-lt"/>
-              </a:rPr>
-              <a:t> битным.</a:t>
-            </a:r>
+              <a:t> формате).</a:t>
+            </a:r>
+            <a:endParaRPr lang="ru-RU" sz="2000" b="0" strike="noStrike" spc="-1" dirty="0">
+              <a:solidFill>
+                <a:srgbClr val="FFFFFF"/>
+              </a:solidFill>
+              <a:latin typeface="+mj-lt"/>
+            </a:endParaRPr>
           </a:p>
           <a:p>
             <a:pPr marL="108000" indent="0">
@@ -14102,22 +14051,40 @@
               <a:buNone/>
             </a:pPr>
             <a:r>
-              <a:rPr lang="ru-RU" sz="2000" b="0" strike="noStrike" spc="-1" dirty="0">
+              <a:rPr lang="ru-RU" sz="2000" spc="-1" dirty="0">
                 <a:solidFill>
                   <a:srgbClr val="FFFFFF"/>
                 </a:solidFill>
                 <a:latin typeface="+mj-lt"/>
               </a:rPr>
-              <a:t>Адрес всегда указывается как </a:t>
-            </a:r>
-            <a:r>
-              <a:rPr lang="ru-RU" sz="2000" b="0" strike="noStrike" spc="-1" dirty="0">
-                <a:solidFill>
-                  <a:schemeClr val="accent2"/>
+              <a:t>Адрес, в зависимости от архитектуры может быть</a:t>
+            </a:r>
+            <a:r>
+              <a:rPr lang="en-US" sz="2000" spc="-1" dirty="0">
+                <a:solidFill>
+                  <a:srgbClr val="FFFFFF"/>
                 </a:solidFill>
                 <a:latin typeface="+mj-lt"/>
               </a:rPr>
-              <a:t>целое число </a:t>
+              <a:t> </a:t>
+            </a:r>
+            <a:r>
+              <a:rPr lang="en-US" sz="2000" spc="-1" dirty="0">
+                <a:solidFill>
+                  <a:schemeClr val="accent5"/>
+                </a:solidFill>
+                <a:latin typeface="+mj-lt"/>
+              </a:rPr>
+              <a:t>8</a:t>
+            </a:r>
+            <a:r>
+              <a:rPr lang="en-US" sz="2000" spc="-1" dirty="0">
+                <a:solidFill>
+                  <a:srgbClr val="FFFFFF"/>
+                </a:solidFill>
+                <a:latin typeface="+mj-lt"/>
+              </a:rPr>
+              <a:t>,</a:t>
             </a:r>
             <a:r>
               <a:rPr lang="ru-RU" sz="2000" spc="-1" dirty="0">
@@ -14126,16 +14093,25 @@
                 </a:solidFill>
                 <a:latin typeface="+mj-lt"/>
               </a:rPr>
-              <a:t>(зачастую в </a:t>
+              <a:t> </a:t>
             </a:r>
             <a:r>
               <a:rPr lang="ru-RU" sz="2000" spc="-1" dirty="0">
                 <a:solidFill>
-                  <a:schemeClr val="accent3"/>
+                  <a:schemeClr val="accent5"/>
                 </a:solidFill>
                 <a:latin typeface="+mj-lt"/>
               </a:rPr>
-              <a:t>шестнадцатеричном</a:t>
+              <a:t>16</a:t>
+            </a:r>
+            <a:r>
+              <a:rPr lang="en-US" sz="2000" spc="-1" dirty="0">
+                <a:solidFill>
+                  <a:srgbClr val="FFFFFF"/>
+                </a:solidFill>
+                <a:latin typeface="+mj-lt"/>
+              </a:rPr>
+              <a:t>, </a:t>
             </a:r>
             <a:r>
               <a:rPr lang="ru-RU" sz="2000" spc="-1" dirty="0">
@@ -14144,11 +14120,44 @@
                 </a:solidFill>
                 <a:latin typeface="+mj-lt"/>
               </a:rPr>
-              <a:t> формате).</a:t>
-            </a:r>
-            <a:endParaRPr lang="ru-RU" sz="2000" b="0" strike="noStrike" spc="-1" dirty="0">
-              <a:latin typeface="+mj-lt"/>
-            </a:endParaRPr>
+              <a:t> </a:t>
+            </a:r>
+            <a:r>
+              <a:rPr lang="ru-RU" sz="2000" spc="-1" dirty="0">
+                <a:solidFill>
+                  <a:schemeClr val="accent5"/>
+                </a:solidFill>
+                <a:latin typeface="+mj-lt"/>
+              </a:rPr>
+              <a:t>32</a:t>
+            </a:r>
+            <a:r>
+              <a:rPr lang="ru-RU" sz="2000" spc="-1" dirty="0">
+                <a:solidFill>
+                  <a:srgbClr val="FFFFFF"/>
+                </a:solidFill>
+                <a:latin typeface="+mj-lt"/>
+              </a:rPr>
+              <a:t> или </a:t>
+            </a:r>
+            <a:r>
+              <a:rPr lang="ru-RU" sz="2000" spc="-1" dirty="0">
+                <a:solidFill>
+                  <a:schemeClr val="accent5"/>
+                </a:solidFill>
+                <a:latin typeface="+mj-lt"/>
+              </a:rPr>
+              <a:t>64</a:t>
+            </a:r>
+            <a:r>
+              <a:rPr lang="ru-RU" sz="2000" spc="-1" dirty="0">
+                <a:solidFill>
+                  <a:srgbClr val="FFFFFF"/>
+                </a:solidFill>
+                <a:latin typeface="+mj-lt"/>
+              </a:rPr>
+              <a:t> битным.</a:t>
+            </a:r>
           </a:p>
         </p:txBody>
       </p:sp>
@@ -16709,8 +16718,12 @@
               <a:buChar char="-"/>
             </a:pPr>
             <a:r>
+              <a:rPr lang="ru-RU" sz="1900"/>
+              <a:t>от </a:t>
+            </a:r>
+            <a:r>
               <a:rPr lang="ru-RU" sz="1900" dirty="0"/>
-              <a:t> от младшего к старшему</a:t>
+              <a:t>младшего к старшему</a:t>
             </a:r>
             <a:r>
               <a:rPr lang="en-US" sz="1900" dirty="0"/>
@@ -17176,7 +17189,7 @@
                 <a:effectLst/>
                 <a:latin typeface="Consolas" panose="020B0609020204030204" pitchFamily="49" charset="0"/>
               </a:rPr>
-              <a:t>int</a:t>
+              <a:t>int </a:t>
             </a:r>
             <a:r>
               <a:rPr lang="en-GB" sz="2000" b="0" dirty="0">
@@ -17186,7 +17199,7 @@
                 <a:effectLst/>
                 <a:latin typeface="Consolas" panose="020B0609020204030204" pitchFamily="49" charset="0"/>
               </a:rPr>
-              <a:t>* pointer = &amp;number;</a:t>
+              <a:t>*pointer = &amp;number;</a:t>
             </a:r>
           </a:p>
           <a:p>
